--- a/openchain-intro-presentation/Great Open Source Compliance For Everyone.pptx
+++ b/openchain-intro-presentation/Great Open Source Compliance For Everyone.pptx
@@ -282,7 +282,7 @@
   </p:defaultTextStyle>
   <p:extLst>
     <p:ext uri="{EFAFB233-063F-42B5-8137-9DF3F51BA10A}">
-      <p15:sldGuideLst xmlns:p15="http://schemas.microsoft.com/office/powerpoint/2012/main" xmlns:p14="http://schemas.microsoft.com/office/powerpoint/2010/main" xmlns:com="http://schemas.openxmlformats.org/drawingml/2006/compatibility" xmlns:pvml="urn:schemas-microsoft-com:office:powerpoint" xmlns:v="urn:schemas-microsoft-com:vml" xmlns:o="urn:schemas-microsoft-com:office:office" xmlns:dgm="http://schemas.openxmlformats.org/drawingml/2006/diagram" xmlns:c="http://schemas.openxmlformats.org/drawingml/2006/chart" xmlns:mv="urn:schemas-microsoft-com:mac:vml" xmlns:mc="http://schemas.openxmlformats.org/markup-compatibility/2006" xmlns="">
+      <p15:sldGuideLst xmlns="" xmlns:mc="http://schemas.openxmlformats.org/markup-compatibility/2006" xmlns:mv="urn:schemas-microsoft-com:mac:vml" xmlns:c="http://schemas.openxmlformats.org/drawingml/2006/chart" xmlns:dgm="http://schemas.openxmlformats.org/drawingml/2006/diagram" xmlns:o="urn:schemas-microsoft-com:office:office" xmlns:v="urn:schemas-microsoft-com:vml" xmlns:pvml="urn:schemas-microsoft-com:office:powerpoint" xmlns:com="http://schemas.openxmlformats.org/drawingml/2006/compatibility" xmlns:p14="http://schemas.microsoft.com/office/powerpoint/2010/main" xmlns:p15="http://schemas.microsoft.com/office/powerpoint/2012/main">
         <p15:guide id="1" orient="horz" pos="2160">
           <p15:clr>
             <a:srgbClr val="000000"/>
@@ -2031,27 +2031,11 @@
                 <a:cs typeface="Calibri"/>
                 <a:sym typeface="Calibri"/>
               </a:rPr>
-              <a:t>We use </a:t>
-            </a:r>
-            <a:r>
-              <a:rPr lang="en-CA" sz="1200" b="0" i="0" u="none" strike="noStrike" cap="none" dirty="0" smtClean="0">
-                <a:solidFill>
-                  <a:srgbClr val="00B4C2"/>
-                </a:solidFill>
-                <a:latin typeface="Calibri"/>
-                <a:ea typeface="Calibri"/>
-                <a:cs typeface="Calibri"/>
-                <a:sym typeface="Calibri"/>
-              </a:rPr>
-              <a:t>open source</a:t>
+              <a:t>We use open source</a:t>
             </a:r>
             <a:r>
               <a:rPr lang="mr-IN" dirty="0" smtClean="0"/>
-              <a:t> </a:t>
-            </a:r>
-            <a:r>
-              <a:rPr lang="mr-IN" dirty="0" smtClean="0"/>
-              <a:t>and get billions of dollars of code</a:t>
+              <a:t> and get billions of dollars of code</a:t>
             </a:r>
             <a:endParaRPr sz="1200" b="0" i="0" u="none" strike="noStrike" cap="none" dirty="0">
               <a:solidFill>
@@ -4034,55 +4018,7 @@
                 <a:cs typeface="Calibri"/>
                 <a:sym typeface="Calibri"/>
               </a:rPr>
-              <a:t>Let’s pull back. So there is a stack of great projects to help companies go from the top level to the details of open source compliance. Our focus today is at the very top, the standard that defines </a:t>
-            </a:r>
-            <a:r>
-              <a:rPr lang="en-US" sz="1200" b="0" i="0" u="none" strike="noStrike" cap="none" dirty="0" smtClean="0">
-                <a:solidFill>
-                  <a:schemeClr val="dk1"/>
-                </a:solidFill>
-                <a:latin typeface="Calibri"/>
-                <a:ea typeface="Calibri"/>
-                <a:cs typeface="Calibri"/>
-                <a:sym typeface="Calibri"/>
-              </a:rPr>
-              <a:t>the </a:t>
-            </a:r>
-            <a:r>
-              <a:rPr lang="en-US" sz="1200" b="0" i="0" u="none" strike="noStrike" cap="none" dirty="0" smtClean="0">
-                <a:solidFill>
-                  <a:schemeClr val="dk1"/>
-                </a:solidFill>
-                <a:latin typeface="Calibri"/>
-                <a:ea typeface="Calibri"/>
-                <a:cs typeface="Calibri"/>
-                <a:sym typeface="Calibri"/>
-              </a:rPr>
-              <a:t>overall key requirements of a quality open source compliance </a:t>
-            </a:r>
-            <a:r>
-              <a:rPr lang="en-US" sz="1200" b="0" i="0" u="none" strike="noStrike" cap="none" dirty="0" smtClean="0">
-                <a:solidFill>
-                  <a:schemeClr val="dk1"/>
-                </a:solidFill>
-                <a:latin typeface="Calibri"/>
-                <a:ea typeface="Calibri"/>
-                <a:cs typeface="Calibri"/>
-                <a:sym typeface="Calibri"/>
-              </a:rPr>
-              <a:t>program. </a:t>
-            </a:r>
-            <a:r>
-              <a:rPr lang="en-US" sz="1200" b="0" i="0" u="none" strike="noStrike" cap="none" dirty="0" smtClean="0">
-                <a:solidFill>
-                  <a:schemeClr val="dk1"/>
-                </a:solidFill>
-                <a:latin typeface="Calibri"/>
-                <a:ea typeface="Calibri"/>
-                <a:cs typeface="Calibri"/>
-                <a:sym typeface="Calibri"/>
-              </a:rPr>
-              <a:t>We are looking at the OpenChain Project.</a:t>
+              <a:t>Let’s pull back. So there is a stack of great projects to help companies go from the top level to the details of open source compliance. Our focus today is at the very top, the standard that defines the overall key requirements of a quality open source compliance program. We are looking at the OpenChain Project.</a:t>
             </a:r>
             <a:endParaRPr sz="1200" b="0" i="0" u="none" strike="noStrike" cap="none" dirty="0">
               <a:solidFill>
@@ -5798,11 +5734,7 @@
             </a:pPr>
             <a:r>
               <a:rPr lang="en-US" dirty="0" smtClean="0"/>
-              <a:t>OpenChain </a:t>
-            </a:r>
-            <a:r>
-              <a:rPr lang="en-US" dirty="0" smtClean="0"/>
-              <a:t>Conformance</a:t>
+              <a:t>OpenChain Conformance</a:t>
             </a:r>
             <a:r>
               <a:rPr lang="en-US" baseline="0" dirty="0" smtClean="0"/>
@@ -5810,15 +5742,7 @@
             </a:r>
             <a:r>
               <a:rPr lang="en-US" dirty="0" smtClean="0"/>
-              <a:t> </a:t>
-            </a:r>
-            <a:r>
-              <a:rPr lang="en-US" dirty="0" smtClean="0"/>
-              <a:t>meeting all the requirements of the OpenChain </a:t>
-            </a:r>
-            <a:r>
-              <a:rPr lang="en-US" dirty="0" smtClean="0"/>
-              <a:t>Specification</a:t>
+              <a:t> meeting all the requirements of the OpenChain Specification</a:t>
             </a:r>
             <a:r>
               <a:rPr lang="en-US" baseline="0" dirty="0" smtClean="0"/>
@@ -5826,19 +5750,7 @@
             </a:r>
             <a:r>
               <a:rPr lang="en-US" dirty="0" smtClean="0"/>
-              <a:t> </a:t>
-            </a:r>
-            <a:r>
-              <a:rPr lang="en-US" dirty="0" smtClean="0"/>
-              <a:t>is </a:t>
-            </a:r>
-            <a:r>
-              <a:rPr lang="en-US" dirty="0" smtClean="0"/>
-              <a:t>a key milestone </a:t>
-            </a:r>
-            <a:r>
-              <a:rPr lang="en-US" dirty="0" smtClean="0"/>
-              <a:t>of an important journey for companies. This journey was described by Toyota as having four parts.</a:t>
+              <a:t> is a key milestone of an important journey for companies. This journey was described by Toyota as having four parts.</a:t>
             </a:r>
             <a:br>
               <a:rPr lang="en-US" dirty="0" smtClean="0"/>
@@ -6130,19 +6042,7 @@
                 <a:cs typeface="Calibri"/>
                 <a:sym typeface="Calibri"/>
               </a:rPr>
-              <a:t> </a:t>
-            </a:r>
-            <a:r>
-              <a:rPr lang="en-US" sz="1200" b="0" i="0" u="none" strike="noStrike" cap="none" dirty="0" smtClean="0">
-                <a:solidFill>
-                  <a:schemeClr val="dk1"/>
-                </a:solidFill>
-                <a:latin typeface="Calibri"/>
-                <a:ea typeface="Calibri"/>
-                <a:cs typeface="Calibri"/>
-                <a:sym typeface="Calibri"/>
-              </a:rPr>
-              <a:t>a library of supportive reference material </a:t>
+              <a:t> a library of supportive reference material </a:t>
             </a:r>
             <a:r>
               <a:rPr lang="mr-IN" sz="1200" b="0" i="0" u="none" strike="noStrike" cap="none" dirty="0" smtClean="0">
@@ -6166,19 +6066,7 @@
                 <a:cs typeface="Calibri"/>
                 <a:sym typeface="Calibri"/>
               </a:rPr>
-              <a:t> </a:t>
-            </a:r>
-            <a:r>
-              <a:rPr lang="en-US" sz="1200" b="0" i="0" u="none" strike="noStrike" cap="none" dirty="0" smtClean="0">
-                <a:solidFill>
-                  <a:schemeClr val="dk1"/>
-                </a:solidFill>
-                <a:latin typeface="Calibri"/>
-                <a:ea typeface="Calibri"/>
-                <a:cs typeface="Calibri"/>
-                <a:sym typeface="Calibri"/>
-              </a:rPr>
-              <a:t>to help people get through levels 1 through 3.</a:t>
+              <a:t> to help people get through levels 1 through 3.</a:t>
             </a:r>
             <a:endParaRPr sz="1200" b="0" i="0" u="none" strike="noStrike" cap="none" dirty="0">
               <a:solidFill>
@@ -6838,19 +6726,7 @@
                 <a:cs typeface="Calibri"/>
                 <a:sym typeface="Calibri"/>
               </a:rPr>
-              <a:t>The </a:t>
-            </a:r>
-            <a:r>
-              <a:rPr lang="en-CA" sz="1200" b="0" i="0" u="none" strike="noStrike" cap="none" dirty="0" smtClean="0">
-                <a:solidFill>
-                  <a:srgbClr val="00B4C2"/>
-                </a:solidFill>
-                <a:latin typeface="Calibri"/>
-                <a:ea typeface="Calibri"/>
-                <a:cs typeface="Calibri"/>
-                <a:sym typeface="Calibri"/>
-              </a:rPr>
-              <a:t>OpenChain Specification confirms a company has open source processes, policies and training.</a:t>
+              <a:t>The OpenChain Specification confirms a company has open source processes, policies and training.</a:t>
             </a:r>
             <a:br>
               <a:rPr lang="en-CA" sz="1200" b="0" i="0" u="none" strike="noStrike" cap="none" dirty="0" smtClean="0">
@@ -7112,43 +6988,7 @@
                 <a:cs typeface="Calibri"/>
                 <a:sym typeface="Calibri"/>
               </a:rPr>
-              <a:t>By </a:t>
-            </a:r>
-            <a:r>
-              <a:rPr lang="en-US" sz="1200" b="0" i="0" u="none" strike="noStrike" cap="none" dirty="0" smtClean="0">
-                <a:solidFill>
-                  <a:schemeClr val="dk1"/>
-                </a:solidFill>
-                <a:latin typeface="Calibri"/>
-                <a:ea typeface="Calibri"/>
-                <a:cs typeface="Calibri"/>
-                <a:sym typeface="Calibri"/>
-              </a:rPr>
-              <a:t>adopting </a:t>
-            </a:r>
-            <a:r>
-              <a:rPr lang="en-US" sz="1200" b="0" i="0" u="none" strike="noStrike" cap="none" dirty="0" smtClean="0">
-                <a:solidFill>
-                  <a:schemeClr val="dk1"/>
-                </a:solidFill>
-                <a:latin typeface="Calibri"/>
-                <a:ea typeface="Calibri"/>
-                <a:cs typeface="Calibri"/>
-                <a:sym typeface="Calibri"/>
-              </a:rPr>
-              <a:t>the key requirements </a:t>
-            </a:r>
-            <a:r>
-              <a:rPr lang="en-US" sz="1200" b="0" i="0" u="none" strike="noStrike" cap="none" dirty="0" smtClean="0">
-                <a:solidFill>
-                  <a:schemeClr val="dk1"/>
-                </a:solidFill>
-                <a:latin typeface="Calibri"/>
-                <a:ea typeface="Calibri"/>
-                <a:cs typeface="Calibri"/>
-                <a:sym typeface="Calibri"/>
-              </a:rPr>
-              <a:t>companies</a:t>
+              <a:t>By adopting the key requirements companies</a:t>
             </a:r>
             <a:r>
               <a:rPr lang="en-US" sz="1200" b="0" i="0" u="none" strike="noStrike" cap="none" baseline="0" dirty="0" smtClean="0">
@@ -7196,43 +7036,7 @@
                 <a:cs typeface="Calibri"/>
                 <a:sym typeface="Calibri"/>
               </a:rPr>
-              <a:t>clarity </a:t>
-            </a:r>
-            <a:r>
-              <a:rPr lang="en-US" sz="1200" b="0" i="0" u="none" strike="noStrike" cap="none" dirty="0" smtClean="0">
-                <a:solidFill>
-                  <a:schemeClr val="dk1"/>
-                </a:solidFill>
-                <a:latin typeface="Calibri"/>
-                <a:ea typeface="Calibri"/>
-                <a:cs typeface="Calibri"/>
-                <a:sym typeface="Calibri"/>
-              </a:rPr>
-              <a:t>about what to do or what is being </a:t>
-            </a:r>
-            <a:r>
-              <a:rPr lang="en-US" sz="1200" b="0" i="0" u="none" strike="noStrike" cap="none" dirty="0" smtClean="0">
-                <a:solidFill>
-                  <a:schemeClr val="dk1"/>
-                </a:solidFill>
-                <a:latin typeface="Calibri"/>
-                <a:ea typeface="Calibri"/>
-                <a:cs typeface="Calibri"/>
-                <a:sym typeface="Calibri"/>
-              </a:rPr>
-              <a:t>done around open source compliance. </a:t>
-            </a:r>
-            <a:r>
-              <a:rPr lang="en-US" sz="1200" b="0" i="0" u="none" strike="noStrike" cap="none" dirty="0" smtClean="0">
-                <a:solidFill>
-                  <a:schemeClr val="dk1"/>
-                </a:solidFill>
-                <a:latin typeface="Calibri"/>
-                <a:ea typeface="Calibri"/>
-                <a:cs typeface="Calibri"/>
-                <a:sym typeface="Calibri"/>
-              </a:rPr>
-              <a:t>It makes the open source compliance part of supplier and customer relationships much more effective.</a:t>
+              <a:t>clarity about what to do or what is being done around open source compliance. It makes the open source compliance part of supplier and customer relationships much more effective.</a:t>
             </a:r>
             <a:endParaRPr sz="1200" b="0" i="0" u="none" strike="noStrike" cap="none" dirty="0">
               <a:solidFill>
@@ -8187,31 +7991,7 @@
                 <a:cs typeface="Calibri"/>
                 <a:sym typeface="Calibri"/>
               </a:rPr>
-              <a:t>Here is a </a:t>
-            </a:r>
-            <a:r>
-              <a:rPr lang="en-US" sz="1200" b="0" i="0" u="none" strike="noStrike" cap="none" dirty="0" smtClean="0">
-                <a:solidFill>
-                  <a:schemeClr val="dk1"/>
-                </a:solidFill>
-                <a:latin typeface="Calibri"/>
-                <a:ea typeface="Calibri"/>
-                <a:cs typeface="Calibri"/>
-                <a:sym typeface="Calibri"/>
-              </a:rPr>
-              <a:t>whistle-stop </a:t>
-            </a:r>
-            <a:r>
-              <a:rPr lang="en-US" sz="1200" b="0" i="0" u="none" strike="noStrike" cap="none" dirty="0" smtClean="0">
-                <a:solidFill>
-                  <a:schemeClr val="dk1"/>
-                </a:solidFill>
-                <a:latin typeface="Calibri"/>
-                <a:ea typeface="Calibri"/>
-                <a:cs typeface="Calibri"/>
-                <a:sym typeface="Calibri"/>
-              </a:rPr>
-              <a:t>tour of Linux Foundation projects. We are not going to dwell on any single project. We are looking at scale.</a:t>
+              <a:t>Here is a whistle-stop tour of Linux Foundation projects. We are not going to dwell on any single project. We are looking at scale.</a:t>
             </a:r>
             <a:endParaRPr sz="1200" b="0" i="0" u="none" strike="noStrike" cap="none" dirty="0">
               <a:solidFill>
@@ -8427,19 +8207,7 @@
                 <a:cs typeface="Calibri"/>
                 <a:sym typeface="Calibri"/>
               </a:rPr>
-              <a:t>To support </a:t>
-            </a:r>
-            <a:r>
-              <a:rPr lang="en-US" sz="1200" b="0" i="0" u="none" strike="noStrike" cap="none" dirty="0" smtClean="0">
-                <a:solidFill>
-                  <a:schemeClr val="dk1"/>
-                </a:solidFill>
-                <a:latin typeface="Calibri"/>
-                <a:ea typeface="Calibri"/>
-                <a:cs typeface="Calibri"/>
-                <a:sym typeface="Calibri"/>
-              </a:rPr>
-              <a:t>this journey </a:t>
+              <a:t>To support this journey </a:t>
             </a:r>
             <a:r>
               <a:rPr lang="mr-IN" sz="1200" b="0" i="0" u="none" strike="noStrike" cap="none" dirty="0" smtClean="0">
@@ -8463,19 +8231,7 @@
                 <a:cs typeface="Calibri"/>
                 <a:sym typeface="Calibri"/>
               </a:rPr>
-              <a:t> </a:t>
-            </a:r>
-            <a:r>
-              <a:rPr lang="en-US" sz="1200" b="0" i="0" u="none" strike="noStrike" cap="none" dirty="0" smtClean="0">
-                <a:solidFill>
-                  <a:schemeClr val="dk1"/>
-                </a:solidFill>
-                <a:latin typeface="Calibri"/>
-                <a:ea typeface="Calibri"/>
-                <a:cs typeface="Calibri"/>
-                <a:sym typeface="Calibri"/>
-              </a:rPr>
-              <a:t>especially around filling in the gaps identified when going through the OpenChain Conformance process </a:t>
+              <a:t> especially around filling in the gaps identified when going through the OpenChain Conformance process </a:t>
             </a:r>
             <a:r>
               <a:rPr lang="mr-IN" sz="1200" b="0" i="0" u="none" strike="noStrike" cap="none" dirty="0" smtClean="0">
@@ -8499,19 +8255,7 @@
                 <a:cs typeface="Calibri"/>
                 <a:sym typeface="Calibri"/>
               </a:rPr>
-              <a:t> </a:t>
-            </a:r>
-            <a:r>
-              <a:rPr lang="en-US" sz="1200" b="0" i="0" u="none" strike="noStrike" cap="none" dirty="0" smtClean="0">
-                <a:solidFill>
-                  <a:schemeClr val="dk1"/>
-                </a:solidFill>
-                <a:latin typeface="Calibri"/>
-                <a:ea typeface="Calibri"/>
-                <a:cs typeface="Calibri"/>
-                <a:sym typeface="Calibri"/>
-              </a:rPr>
-              <a:t>companies can use the library of material in the OpenChain Curriculum.</a:t>
+              <a:t> companies can use the library of material in the OpenChain Curriculum.</a:t>
             </a:r>
             <a:endParaRPr sz="1200" b="0" i="0" u="none" strike="noStrike" cap="none" dirty="0">
               <a:solidFill>
@@ -11306,19 +11050,7 @@
                 <a:cs typeface="Calibri"/>
                 <a:sym typeface="Calibri"/>
               </a:rPr>
-              <a:t>Open source license compliance is a gateway to accessing projects like these. It is a gateway to 16 billion dollars of </a:t>
-            </a:r>
-            <a:r>
-              <a:rPr lang="en-US" sz="1200" b="0" i="0" u="none" strike="noStrike" cap="none" dirty="0" smtClean="0">
-                <a:solidFill>
-                  <a:schemeClr val="dk1"/>
-                </a:solidFill>
-                <a:latin typeface="Calibri"/>
-                <a:ea typeface="Calibri"/>
-                <a:cs typeface="Calibri"/>
-                <a:sym typeface="Calibri"/>
-              </a:rPr>
-              <a:t>code</a:t>
+              <a:t>Open source license compliance is a gateway to accessing projects like these. It is a gateway to 16 billion dollars of code</a:t>
             </a:r>
             <a:r>
               <a:rPr lang="en-US" sz="1200" b="0" i="0" u="none" strike="noStrike" cap="none" baseline="0" dirty="0" smtClean="0">
@@ -11342,31 +11074,7 @@
                 <a:cs typeface="Calibri"/>
                 <a:sym typeface="Calibri"/>
               </a:rPr>
-              <a:t>platforms </a:t>
-            </a:r>
-            <a:r>
-              <a:rPr lang="en-US" sz="1200" b="0" i="0" u="none" strike="noStrike" cap="none" dirty="0" smtClean="0">
-                <a:solidFill>
-                  <a:schemeClr val="dk1"/>
-                </a:solidFill>
-                <a:latin typeface="Calibri"/>
-                <a:ea typeface="Calibri"/>
-                <a:cs typeface="Calibri"/>
-                <a:sym typeface="Calibri"/>
-              </a:rPr>
-              <a:t>that can accelerate any </a:t>
-            </a:r>
-            <a:r>
-              <a:rPr lang="en-US" sz="1200" b="0" i="0" u="none" strike="noStrike" cap="none" dirty="0" smtClean="0">
-                <a:solidFill>
-                  <a:schemeClr val="dk1"/>
-                </a:solidFill>
-                <a:latin typeface="Calibri"/>
-                <a:ea typeface="Calibri"/>
-                <a:cs typeface="Calibri"/>
-                <a:sym typeface="Calibri"/>
-              </a:rPr>
-              <a:t>market engagement.</a:t>
+              <a:t>platforms that can accelerate any market engagement.</a:t>
             </a:r>
             <a:endParaRPr sz="1200" b="0" i="0" u="none" strike="noStrike" cap="none" dirty="0">
               <a:solidFill>
@@ -29180,19 +28888,7 @@
                 <a:cs typeface="Calibri"/>
                 <a:sym typeface="Calibri"/>
               </a:rPr>
-              <a:t>We use </a:t>
-            </a:r>
-            <a:r>
-              <a:rPr lang="en-CA" sz="3600" b="0" i="0" u="none" strike="noStrike" cap="none" dirty="0" smtClean="0">
-                <a:solidFill>
-                  <a:srgbClr val="00B4C2"/>
-                </a:solidFill>
-                <a:latin typeface="Calibri"/>
-                <a:ea typeface="Calibri"/>
-                <a:cs typeface="Calibri"/>
-                <a:sym typeface="Calibri"/>
-              </a:rPr>
-              <a:t>open </a:t>
+              <a:t>We use open </a:t>
             </a:r>
             <a:r>
               <a:rPr lang="en-CA" dirty="0"/>
@@ -29212,11 +28908,7 @@
             </a:r>
             <a:r>
               <a:rPr lang="mr-IN" dirty="0" smtClean="0"/>
-              <a:t> </a:t>
-            </a:r>
-            <a:r>
-              <a:rPr lang="mr-IN" dirty="0" smtClean="0"/>
-              <a:t>and get billions of dollars of code</a:t>
+              <a:t> and get billions of dollars of code</a:t>
             </a:r>
             <a:endParaRPr lang="mr-IN" sz="3600" b="0" i="0" u="none" strike="noStrike" cap="none" dirty="0" smtClean="0">
               <a:solidFill>
@@ -36930,7 +36622,7 @@
       </p:sp>
       <p:pic>
         <p:nvPicPr>
-          <p:cNvPr id="5" name="Picture 4" descr="Screen Shot 2018-06-22 at 14.21.13.png"/>
+          <p:cNvPr id="3" name="Picture 2" descr="Screen Shot 2018-09-16 at 7.19.47.png"/>
           <p:cNvPicPr>
             <a:picLocks noChangeAspect="1"/>
           </p:cNvPicPr>
@@ -36950,8 +36642,8 @@
         </p:blipFill>
         <p:spPr>
           <a:xfrm>
-            <a:off x="0" y="134059"/>
-            <a:ext cx="12192000" cy="5947833"/>
+            <a:off x="0" y="0"/>
+            <a:ext cx="12192000" cy="6554780"/>
           </a:xfrm>
           <a:prstGeom prst="rect">
             <a:avLst/>
